--- a/documents/защита презентация.pptx
+++ b/documents/защита презентация.pptx
@@ -5,7 +5,7 @@
     <p:sldMasterId id="2147483648" r:id="rId4"/>
   </p:sldMasterIdLst>
   <p:notesMasterIdLst>
-    <p:notesMasterId r:id="rId24"/>
+    <p:notesMasterId r:id="rId25"/>
   </p:notesMasterIdLst>
   <p:sldIdLst>
     <p:sldId id="271" r:id="rId5"/>
@@ -25,8 +25,9 @@
     <p:sldId id="301" r:id="rId19"/>
     <p:sldId id="302" r:id="rId20"/>
     <p:sldId id="303" r:id="rId21"/>
-    <p:sldId id="294" r:id="rId22"/>
-    <p:sldId id="293" r:id="rId23"/>
+    <p:sldId id="304" r:id="rId22"/>
+    <p:sldId id="294" r:id="rId23"/>
+    <p:sldId id="293" r:id="rId24"/>
   </p:sldIdLst>
   <p:sldSz cx="12192000" cy="6858000"/>
   <p:notesSz cx="6858000" cy="9144000"/>
@@ -187,6 +188,7 @@
         <p14:section name="тесты" id="{30319114-75E4-4BB0-A405-1DF6109CA445}">
           <p14:sldIdLst>
             <p14:sldId id="303"/>
+            <p14:sldId id="304"/>
           </p14:sldIdLst>
         </p14:section>
         <p14:section name="конец" id="{FB9F9E05-1E8D-4FFB-BBD1-C25107250178}">
@@ -368,7 +370,7 @@
           <a:p>
             <a:fld id="{73261BF4-8B2C-784B-9959-B59A059012C3}" type="datetimeFigureOut">
               <a:rPr lang="en-RU" smtClean="0"/>
-              <a:t>03/25/2024</a:t>
+              <a:t>03/26/2024</a:t>
             </a:fld>
             <a:endParaRPr lang="en-RU"/>
           </a:p>
@@ -13747,7 +13749,7 @@
           <a:p>
             <a:fld id="{53063DFB-8595-A44B-9F09-A50FA310E559}" type="datetimeFigureOut">
               <a:rPr lang="en-RU" smtClean="0"/>
-              <a:t>03/25/2024</a:t>
+              <a:t>03/26/2024</a:t>
             </a:fld>
             <a:endParaRPr lang="en-RU"/>
           </a:p>
@@ -16213,10 +16215,10 @@
       </p:sp>
       <p:pic>
         <p:nvPicPr>
-          <p:cNvPr id="10242" name="Picture 2">
-            <a:extLst>
-              <a:ext uri="{FF2B5EF4-FFF2-40B4-BE49-F238E27FC236}">
-                <a16:creationId xmlns:a16="http://schemas.microsoft.com/office/drawing/2014/main" id="{007BD551-72A9-40C9-B6B4-206D182F399C}"/>
+          <p:cNvPr id="10244" name="Picture 4">
+            <a:extLst>
+              <a:ext uri="{FF2B5EF4-FFF2-40B4-BE49-F238E27FC236}">
+                <a16:creationId xmlns:a16="http://schemas.microsoft.com/office/drawing/2014/main" id="{B8A91284-4F77-4922-BD68-F0CE4C169ADB}"/>
               </a:ext>
             </a:extLst>
           </p:cNvPr>
@@ -16225,7 +16227,7 @@
           </p:cNvPicPr>
           <p:nvPr/>
         </p:nvPicPr>
-        <p:blipFill rotWithShape="1">
+        <p:blipFill>
           <a:blip r:embed="rId2">
             <a:extLst>
               <a:ext uri="{28A0092B-C50C-407E-A947-70E740481C1C}">
@@ -16233,13 +16235,15 @@
               </a:ext>
             </a:extLst>
           </a:blip>
-          <a:srcRect l="1415" t="3870" r="2622" b="3507"/>
-          <a:stretch/>
+          <a:srcRect/>
+          <a:stretch>
+            <a:fillRect/>
+          </a:stretch>
         </p:blipFill>
         <p:spPr bwMode="auto">
           <a:xfrm>
-            <a:off x="451556" y="2009422"/>
-            <a:ext cx="7179733" cy="3711213"/>
+            <a:off x="9087557" y="3380655"/>
+            <a:ext cx="2896304" cy="3251567"/>
           </a:xfrm>
           <a:prstGeom prst="rect">
             <a:avLst/>
@@ -16258,49 +16262,30 @@
       </p:pic>
       <p:pic>
         <p:nvPicPr>
-          <p:cNvPr id="10244" name="Picture 4">
-            <a:extLst>
-              <a:ext uri="{FF2B5EF4-FFF2-40B4-BE49-F238E27FC236}">
-                <a16:creationId xmlns:a16="http://schemas.microsoft.com/office/drawing/2014/main" id="{B8A91284-4F77-4922-BD68-F0CE4C169ADB}"/>
-              </a:ext>
-            </a:extLst>
-          </p:cNvPr>
-          <p:cNvPicPr>
-            <a:picLocks noChangeAspect="1" noChangeArrowheads="1"/>
-          </p:cNvPicPr>
+          <p:cNvPr id="8" name="Рисунок 7">
+            <a:extLst>
+              <a:ext uri="{FF2B5EF4-FFF2-40B4-BE49-F238E27FC236}">
+                <a16:creationId xmlns:a16="http://schemas.microsoft.com/office/drawing/2014/main" id="{382446AC-73E6-4CC6-BEAF-019CB4898E09}"/>
+              </a:ext>
+            </a:extLst>
+          </p:cNvPr>
+          <p:cNvPicPr/>
           <p:nvPr/>
         </p:nvPicPr>
         <p:blipFill>
-          <a:blip r:embed="rId3">
-            <a:extLst>
-              <a:ext uri="{28A0092B-C50C-407E-A947-70E740481C1C}">
-                <a14:useLocalDpi xmlns:a14="http://schemas.microsoft.com/office/drawing/2010/main" val="0"/>
-              </a:ext>
-            </a:extLst>
-          </a:blip>
-          <a:srcRect/>
+          <a:blip r:embed="rId3"/>
           <a:stretch>
             <a:fillRect/>
           </a:stretch>
         </p:blipFill>
-        <p:spPr bwMode="auto">
-          <a:xfrm>
-            <a:off x="9087557" y="3380655"/>
-            <a:ext cx="2896304" cy="3251567"/>
+        <p:spPr>
+          <a:xfrm>
+            <a:off x="340889" y="1836302"/>
+            <a:ext cx="5671704" cy="4891876"/>
           </a:xfrm>
           <a:prstGeom prst="rect">
             <a:avLst/>
           </a:prstGeom>
-          <a:noFill/>
-          <a:extLst>
-            <a:ext uri="{909E8E84-426E-40DD-AFC4-6F175D3DCCD1}">
-              <a14:hiddenFill xmlns:a14="http://schemas.microsoft.com/office/drawing/2010/main">
-                <a:solidFill>
-                  <a:srgbClr val="FFFFFF"/>
-                </a:solidFill>
-              </a14:hiddenFill>
-            </a:ext>
-          </a:extLst>
         </p:spPr>
       </p:pic>
     </p:spTree>
@@ -16338,6 +16323,230 @@
           <p:cNvPr id="3" name="Заголовок 2">
             <a:extLst>
               <a:ext uri="{FF2B5EF4-FFF2-40B4-BE49-F238E27FC236}">
+                <a16:creationId xmlns:a16="http://schemas.microsoft.com/office/drawing/2014/main" id="{3E21B9C9-562B-4627-8F3B-9483EDE9011C}"/>
+              </a:ext>
+            </a:extLst>
+          </p:cNvPr>
+          <p:cNvSpPr>
+            <a:spLocks noGrp="1"/>
+          </p:cNvSpPr>
+          <p:nvPr>
+            <p:ph type="title"/>
+          </p:nvPr>
+        </p:nvSpPr>
+        <p:spPr>
+          <a:xfrm>
+            <a:off x="585897" y="1447790"/>
+            <a:ext cx="7598547" cy="777025"/>
+          </a:xfrm>
+        </p:spPr>
+        <p:txBody>
+          <a:bodyPr/>
+          <a:lstStyle/>
+          <a:p>
+            <a:r>
+              <a:rPr lang="ru-RU" dirty="0"/>
+              <a:t>Оценка качества</a:t>
+            </a:r>
+          </a:p>
+        </p:txBody>
+      </p:sp>
+      <p:sp>
+        <p:nvSpPr>
+          <p:cNvPr id="5" name="Текст 4">
+            <a:extLst>
+              <a:ext uri="{FF2B5EF4-FFF2-40B4-BE49-F238E27FC236}">
+                <a16:creationId xmlns:a16="http://schemas.microsoft.com/office/drawing/2014/main" id="{A24FCFB8-F039-46FA-AE88-5E6625ACF6F2}"/>
+              </a:ext>
+            </a:extLst>
+          </p:cNvPr>
+          <p:cNvSpPr>
+            <a:spLocks noGrp="1"/>
+          </p:cNvSpPr>
+          <p:nvPr>
+            <p:ph type="body" sz="quarter" idx="13"/>
+          </p:nvPr>
+        </p:nvSpPr>
+        <p:spPr/>
+        <p:txBody>
+          <a:bodyPr/>
+          <a:lstStyle/>
+          <a:p>
+            <a:r>
+              <a:rPr lang="ru-RU" sz="1200" dirty="0"/>
+              <a:t>Факультет социально-экономических и компьютерных наук</a:t>
+            </a:r>
+          </a:p>
+          <a:p>
+            <a:endParaRPr lang="ru-RU" sz="1200" dirty="0"/>
+          </a:p>
+          <a:p>
+            <a:endParaRPr lang="ru-RU" sz="1200" dirty="0"/>
+          </a:p>
+        </p:txBody>
+      </p:sp>
+      <p:sp>
+        <p:nvSpPr>
+          <p:cNvPr id="6" name="Текст 5">
+            <a:extLst>
+              <a:ext uri="{FF2B5EF4-FFF2-40B4-BE49-F238E27FC236}">
+                <a16:creationId xmlns:a16="http://schemas.microsoft.com/office/drawing/2014/main" id="{E00EBD33-3F1B-4019-9689-F91493C4F896}"/>
+              </a:ext>
+            </a:extLst>
+          </p:cNvPr>
+          <p:cNvSpPr>
+            <a:spLocks noGrp="1"/>
+          </p:cNvSpPr>
+          <p:nvPr>
+            <p:ph type="body" sz="quarter" idx="14"/>
+          </p:nvPr>
+        </p:nvSpPr>
+        <p:spPr/>
+        <p:txBody>
+          <a:bodyPr/>
+          <a:lstStyle/>
+          <a:p>
+            <a:r>
+              <a:rPr lang="ru-RU" sz="1200" dirty="0"/>
+              <a:t>Разработка сервиса для классификации степени артроза по рентген снимкам</a:t>
+            </a:r>
+          </a:p>
+          <a:p>
+            <a:endParaRPr lang="ru-RU" dirty="0"/>
+          </a:p>
+          <a:p>
+            <a:endParaRPr lang="ru-RU" dirty="0"/>
+          </a:p>
+        </p:txBody>
+      </p:sp>
+      <p:sp>
+        <p:nvSpPr>
+          <p:cNvPr id="7" name="Текст 6">
+            <a:extLst>
+              <a:ext uri="{FF2B5EF4-FFF2-40B4-BE49-F238E27FC236}">
+                <a16:creationId xmlns:a16="http://schemas.microsoft.com/office/drawing/2014/main" id="{2C910E82-6F47-4B12-B3BB-3C2ACE4C6457}"/>
+              </a:ext>
+            </a:extLst>
+          </p:cNvPr>
+          <p:cNvSpPr>
+            <a:spLocks noGrp="1"/>
+          </p:cNvSpPr>
+          <p:nvPr>
+            <p:ph type="body" sz="quarter" idx="15"/>
+          </p:nvPr>
+        </p:nvSpPr>
+        <p:spPr/>
+        <p:txBody>
+          <a:bodyPr/>
+          <a:lstStyle/>
+          <a:p>
+            <a:r>
+              <a:rPr lang="ru-RU" sz="1200" dirty="0" err="1"/>
+              <a:t>Берсенёв</a:t>
+            </a:r>
+            <a:r>
+              <a:rPr lang="ru-RU" sz="1200" dirty="0"/>
+              <a:t> И.И</a:t>
+            </a:r>
+          </a:p>
+          <a:p>
+            <a:endParaRPr lang="ru-RU" sz="1200" dirty="0"/>
+          </a:p>
+        </p:txBody>
+      </p:sp>
+      <p:pic>
+        <p:nvPicPr>
+          <p:cNvPr id="4" name="Рисунок 3">
+            <a:extLst>
+              <a:ext uri="{FF2B5EF4-FFF2-40B4-BE49-F238E27FC236}">
+                <a16:creationId xmlns:a16="http://schemas.microsoft.com/office/drawing/2014/main" id="{831E9FDA-8C59-4719-8B82-B1C4AD5DEDF4}"/>
+              </a:ext>
+            </a:extLst>
+          </p:cNvPr>
+          <p:cNvPicPr>
+            <a:picLocks noChangeAspect="1"/>
+          </p:cNvPicPr>
+          <p:nvPr/>
+        </p:nvPicPr>
+        <p:blipFill>
+          <a:blip r:embed="rId2"/>
+          <a:stretch>
+            <a:fillRect/>
+          </a:stretch>
+        </p:blipFill>
+        <p:spPr>
+          <a:xfrm>
+            <a:off x="5629078" y="1296330"/>
+            <a:ext cx="6409362" cy="2220671"/>
+          </a:xfrm>
+          <a:prstGeom prst="rect">
+            <a:avLst/>
+          </a:prstGeom>
+        </p:spPr>
+      </p:pic>
+      <p:pic>
+        <p:nvPicPr>
+          <p:cNvPr id="10" name="Рисунок 9">
+            <a:extLst>
+              <a:ext uri="{FF2B5EF4-FFF2-40B4-BE49-F238E27FC236}">
+                <a16:creationId xmlns:a16="http://schemas.microsoft.com/office/drawing/2014/main" id="{AABB94AB-E70C-4660-A462-53C40316C9FD}"/>
+              </a:ext>
+            </a:extLst>
+          </p:cNvPr>
+          <p:cNvPicPr/>
+          <p:nvPr/>
+        </p:nvPicPr>
+        <p:blipFill>
+          <a:blip r:embed="rId3"/>
+          <a:stretch>
+            <a:fillRect/>
+          </a:stretch>
+        </p:blipFill>
+        <p:spPr>
+          <a:xfrm>
+            <a:off x="294958" y="2232845"/>
+            <a:ext cx="5642998" cy="4476473"/>
+          </a:xfrm>
+          <a:prstGeom prst="rect">
+            <a:avLst/>
+          </a:prstGeom>
+        </p:spPr>
+      </p:pic>
+    </p:spTree>
+    <p:extLst>
+      <p:ext uri="{BB962C8B-B14F-4D97-AF65-F5344CB8AC3E}">
+        <p14:creationId xmlns:p14="http://schemas.microsoft.com/office/powerpoint/2010/main" val="3501050777"/>
+      </p:ext>
+    </p:extLst>
+  </p:cSld>
+  <p:clrMapOvr>
+    <a:masterClrMapping/>
+  </p:clrMapOvr>
+</p:sld>
+</file>
+
+<file path=ppt/slides/slide19.xml><?xml version="1.0" encoding="utf-8"?>
+<p:sld xmlns:a="http://schemas.openxmlformats.org/drawingml/2006/main" xmlns:r="http://schemas.openxmlformats.org/officeDocument/2006/relationships" xmlns:p="http://schemas.openxmlformats.org/presentationml/2006/main">
+  <p:cSld>
+    <p:spTree>
+      <p:nvGrpSpPr>
+        <p:cNvPr id="1" name=""/>
+        <p:cNvGrpSpPr/>
+        <p:nvPr/>
+      </p:nvGrpSpPr>
+      <p:grpSpPr>
+        <a:xfrm>
+          <a:off x="0" y="0"/>
+          <a:ext cx="0" cy="0"/>
+          <a:chOff x="0" y="0"/>
+          <a:chExt cx="0" cy="0"/>
+        </a:xfrm>
+      </p:grpSpPr>
+      <p:sp>
+        <p:nvSpPr>
+          <p:cNvPr id="3" name="Заголовок 2">
+            <a:extLst>
+              <a:ext uri="{FF2B5EF4-FFF2-40B4-BE49-F238E27FC236}">
                 <a16:creationId xmlns:a16="http://schemas.microsoft.com/office/drawing/2014/main" id="{E2EAF03B-EC26-1D47-94AC-C75942861D6C}"/>
               </a:ext>
             </a:extLst>
@@ -16623,7 +16832,584 @@
 </p:sld>
 </file>
 
-<file path=ppt/slides/slide19.xml><?xml version="1.0" encoding="utf-8"?>
+<file path=ppt/slides/slide2.xml><?xml version="1.0" encoding="utf-8"?>
+<p:sld xmlns:a="http://schemas.openxmlformats.org/drawingml/2006/main" xmlns:r="http://schemas.openxmlformats.org/officeDocument/2006/relationships" xmlns:p="http://schemas.openxmlformats.org/presentationml/2006/main">
+  <p:cSld>
+    <p:spTree>
+      <p:nvGrpSpPr>
+        <p:cNvPr id="1" name=""/>
+        <p:cNvGrpSpPr/>
+        <p:nvPr/>
+      </p:nvGrpSpPr>
+      <p:grpSpPr>
+        <a:xfrm>
+          <a:off x="0" y="0"/>
+          <a:ext cx="0" cy="0"/>
+          <a:chOff x="0" y="0"/>
+          <a:chExt cx="0" cy="0"/>
+        </a:xfrm>
+      </p:grpSpPr>
+      <p:sp>
+        <p:nvSpPr>
+          <p:cNvPr id="3" name="Заголовок 2">
+            <a:extLst>
+              <a:ext uri="{FF2B5EF4-FFF2-40B4-BE49-F238E27FC236}">
+                <a16:creationId xmlns:a16="http://schemas.microsoft.com/office/drawing/2014/main" id="{E2EAF03B-EC26-1D47-94AC-C75942861D6C}"/>
+              </a:ext>
+            </a:extLst>
+          </p:cNvPr>
+          <p:cNvSpPr>
+            <a:spLocks noGrp="1"/>
+          </p:cNvSpPr>
+          <p:nvPr>
+            <p:ph type="title"/>
+          </p:nvPr>
+        </p:nvSpPr>
+        <p:spPr/>
+        <p:txBody>
+          <a:bodyPr>
+            <a:normAutofit fontScale="90000"/>
+          </a:bodyPr>
+          <a:lstStyle/>
+          <a:p>
+            <a:r>
+              <a:rPr lang="ru-RU" sz="4000" dirty="0"/>
+              <a:t>Актуальность</a:t>
+            </a:r>
+            <a:br>
+              <a:rPr lang="ru-RU" dirty="0"/>
+            </a:br>
+            <a:endParaRPr lang="ru-RU" dirty="0"/>
+          </a:p>
+        </p:txBody>
+      </p:sp>
+      <p:sp>
+        <p:nvSpPr>
+          <p:cNvPr id="4" name="Текст 3">
+            <a:extLst>
+              <a:ext uri="{FF2B5EF4-FFF2-40B4-BE49-F238E27FC236}">
+                <a16:creationId xmlns:a16="http://schemas.microsoft.com/office/drawing/2014/main" id="{53356540-7218-FF4B-B6BC-5BD291A372E2}"/>
+              </a:ext>
+            </a:extLst>
+          </p:cNvPr>
+          <p:cNvSpPr>
+            <a:spLocks noGrp="1"/>
+          </p:cNvSpPr>
+          <p:nvPr>
+            <p:ph type="body" sz="quarter" idx="12"/>
+          </p:nvPr>
+        </p:nvSpPr>
+        <p:spPr>
+          <a:xfrm>
+            <a:off x="585898" y="2587502"/>
+            <a:ext cx="5673995" cy="3393234"/>
+          </a:xfrm>
+        </p:spPr>
+        <p:txBody>
+          <a:bodyPr>
+            <a:normAutofit/>
+          </a:bodyPr>
+          <a:lstStyle/>
+          <a:p>
+            <a:pPr marL="342900" indent="-342900">
+              <a:spcAft>
+                <a:spcPts val="1200"/>
+              </a:spcAft>
+              <a:buFont typeface="+mj-lt"/>
+              <a:buAutoNum type="arabicPeriod"/>
+            </a:pPr>
+            <a:r>
+              <a:rPr lang="ru-RU" sz="2800" dirty="0"/>
+              <a:t>Экспоненциальные темпы развития нейросетей</a:t>
+            </a:r>
+          </a:p>
+          <a:p>
+            <a:pPr marL="342900" indent="-342900">
+              <a:spcAft>
+                <a:spcPts val="1200"/>
+              </a:spcAft>
+              <a:buFont typeface="+mj-lt"/>
+              <a:buAutoNum type="arabicPeriod"/>
+            </a:pPr>
+            <a:r>
+              <a:rPr lang="ru-RU" sz="2800" dirty="0"/>
+              <a:t>Аналоги не выявлены</a:t>
+            </a:r>
+          </a:p>
+          <a:p>
+            <a:pPr marL="342900" indent="-342900">
+              <a:spcAft>
+                <a:spcPts val="1200"/>
+              </a:spcAft>
+              <a:buFont typeface="+mj-lt"/>
+              <a:buAutoNum type="arabicPeriod"/>
+            </a:pPr>
+            <a:r>
+              <a:rPr lang="ru-RU" sz="2800" dirty="0"/>
+              <a:t>Прибыльная сфера</a:t>
+            </a:r>
+          </a:p>
+          <a:p>
+            <a:pPr marL="342900" indent="-342900">
+              <a:spcAft>
+                <a:spcPts val="1200"/>
+              </a:spcAft>
+              <a:buFont typeface="+mj-lt"/>
+              <a:buAutoNum type="arabicPeriod"/>
+            </a:pPr>
+            <a:endParaRPr lang="ru-RU" sz="2800" dirty="0"/>
+          </a:p>
+          <a:p>
+            <a:endParaRPr lang="ru-RU" dirty="0"/>
+          </a:p>
+        </p:txBody>
+      </p:sp>
+      <p:sp>
+        <p:nvSpPr>
+          <p:cNvPr id="5" name="Текст 4">
+            <a:extLst>
+              <a:ext uri="{FF2B5EF4-FFF2-40B4-BE49-F238E27FC236}">
+                <a16:creationId xmlns:a16="http://schemas.microsoft.com/office/drawing/2014/main" id="{3EB29DC1-D5D4-FB41-9E2D-AA4750D0CC8B}"/>
+              </a:ext>
+            </a:extLst>
+          </p:cNvPr>
+          <p:cNvSpPr>
+            <a:spLocks noGrp="1"/>
+          </p:cNvSpPr>
+          <p:nvPr>
+            <p:ph type="body" sz="quarter" idx="13"/>
+          </p:nvPr>
+        </p:nvSpPr>
+        <p:spPr>
+          <a:xfrm>
+            <a:off x="1143689" y="540904"/>
+            <a:ext cx="1901825" cy="544199"/>
+          </a:xfrm>
+        </p:spPr>
+        <p:txBody>
+          <a:bodyPr/>
+          <a:lstStyle/>
+          <a:p>
+            <a:r>
+              <a:rPr lang="ru-RU" sz="1200" dirty="0"/>
+              <a:t>Факультет социально-экономических и компьютерных наук</a:t>
+            </a:r>
+          </a:p>
+          <a:p>
+            <a:endParaRPr lang="ru-RU" dirty="0"/>
+          </a:p>
+        </p:txBody>
+      </p:sp>
+      <p:sp>
+        <p:nvSpPr>
+          <p:cNvPr id="6" name="Текст 5">
+            <a:extLst>
+              <a:ext uri="{FF2B5EF4-FFF2-40B4-BE49-F238E27FC236}">
+                <a16:creationId xmlns:a16="http://schemas.microsoft.com/office/drawing/2014/main" id="{B5B6DD1A-BEFA-D842-9B7A-78D7BD1A5259}"/>
+              </a:ext>
+            </a:extLst>
+          </p:cNvPr>
+          <p:cNvSpPr>
+            <a:spLocks noGrp="1"/>
+          </p:cNvSpPr>
+          <p:nvPr>
+            <p:ph type="body" sz="quarter" idx="14"/>
+          </p:nvPr>
+        </p:nvSpPr>
+        <p:spPr/>
+        <p:txBody>
+          <a:bodyPr/>
+          <a:lstStyle/>
+          <a:p>
+            <a:r>
+              <a:rPr lang="ru-RU" sz="1200" dirty="0"/>
+              <a:t>Разработка сервиса для классификации степени артроза по рентген снимкам</a:t>
+            </a:r>
+          </a:p>
+          <a:p>
+            <a:endParaRPr lang="ru-RU" dirty="0"/>
+          </a:p>
+        </p:txBody>
+      </p:sp>
+      <p:sp>
+        <p:nvSpPr>
+          <p:cNvPr id="7" name="Текст 6">
+            <a:extLst>
+              <a:ext uri="{FF2B5EF4-FFF2-40B4-BE49-F238E27FC236}">
+                <a16:creationId xmlns:a16="http://schemas.microsoft.com/office/drawing/2014/main" id="{88968744-3B75-9B47-92FD-77E1E725F232}"/>
+              </a:ext>
+            </a:extLst>
+          </p:cNvPr>
+          <p:cNvSpPr>
+            <a:spLocks noGrp="1"/>
+          </p:cNvSpPr>
+          <p:nvPr>
+            <p:ph type="body" sz="quarter" idx="15"/>
+          </p:nvPr>
+        </p:nvSpPr>
+        <p:spPr/>
+        <p:txBody>
+          <a:bodyPr/>
+          <a:lstStyle/>
+          <a:p>
+            <a:r>
+              <a:rPr lang="ru-RU" sz="1200" dirty="0" err="1"/>
+              <a:t>Берсенёв</a:t>
+            </a:r>
+            <a:r>
+              <a:rPr lang="ru-RU" sz="1200" dirty="0"/>
+              <a:t> И.И</a:t>
+            </a:r>
+          </a:p>
+        </p:txBody>
+      </p:sp>
+      <p:pic>
+        <p:nvPicPr>
+          <p:cNvPr id="10" name="Рисунок 9">
+            <a:extLst>
+              <a:ext uri="{FF2B5EF4-FFF2-40B4-BE49-F238E27FC236}">
+                <a16:creationId xmlns:a16="http://schemas.microsoft.com/office/drawing/2014/main" id="{5CA8758A-A84A-4FF8-AF30-764C4230CAED}"/>
+              </a:ext>
+            </a:extLst>
+          </p:cNvPr>
+          <p:cNvPicPr>
+            <a:picLocks noChangeAspect="1"/>
+          </p:cNvPicPr>
+          <p:nvPr/>
+        </p:nvPicPr>
+        <p:blipFill>
+          <a:blip r:embed="rId2"/>
+          <a:stretch>
+            <a:fillRect/>
+          </a:stretch>
+        </p:blipFill>
+        <p:spPr>
+          <a:xfrm>
+            <a:off x="8985411" y="2189694"/>
+            <a:ext cx="2995804" cy="2049980"/>
+          </a:xfrm>
+          <a:prstGeom prst="rect">
+            <a:avLst/>
+          </a:prstGeom>
+        </p:spPr>
+      </p:pic>
+      <p:sp>
+        <p:nvSpPr>
+          <p:cNvPr id="12" name="Текст 3">
+            <a:extLst>
+              <a:ext uri="{FF2B5EF4-FFF2-40B4-BE49-F238E27FC236}">
+                <a16:creationId xmlns:a16="http://schemas.microsoft.com/office/drawing/2014/main" id="{A380A6D6-C984-4AA2-A851-1739FFC48F2A}"/>
+              </a:ext>
+            </a:extLst>
+          </p:cNvPr>
+          <p:cNvSpPr txBox="1">
+            <a:spLocks/>
+          </p:cNvSpPr>
+          <p:nvPr/>
+        </p:nvSpPr>
+        <p:spPr>
+          <a:xfrm>
+            <a:off x="8658577" y="1828799"/>
+            <a:ext cx="3770489" cy="2240845"/>
+          </a:xfrm>
+          <a:prstGeom prst="rect">
+            <a:avLst/>
+          </a:prstGeom>
+        </p:spPr>
+        <p:txBody>
+          <a:bodyPr vert="horz" lIns="0" tIns="0" rIns="0" bIns="45720" rtlCol="0">
+            <a:normAutofit/>
+          </a:bodyPr>
+          <a:lstStyle>
+            <a:lvl1pPr marL="0" marR="0" indent="0" algn="l" defTabSz="914400" rtl="0" eaLnBrk="1" fontAlgn="auto" latinLnBrk="0" hangingPunct="1">
+              <a:lnSpc>
+                <a:spcPct val="100000"/>
+              </a:lnSpc>
+              <a:spcBef>
+                <a:spcPts val="1000"/>
+              </a:spcBef>
+              <a:spcAft>
+                <a:spcPts val="0"/>
+              </a:spcAft>
+              <a:buClrTx/>
+              <a:buSzTx/>
+              <a:buFont typeface="Arial" panose="020B0604020202020204" pitchFamily="34" charset="0"/>
+              <a:buNone/>
+              <a:tabLst/>
+              <a:defRPr sz="1300" b="0" i="0" kern="1200">
+                <a:solidFill>
+                  <a:srgbClr val="0E2D69"/>
+                </a:solidFill>
+                <a:latin typeface="HSE Sans" panose="02000000000000000000" pitchFamily="2" charset="0"/>
+                <a:ea typeface="+mn-ea"/>
+                <a:cs typeface="+mn-cs"/>
+              </a:defRPr>
+            </a:lvl1pPr>
+            <a:lvl2pPr marL="457200" indent="0" algn="l" defTabSz="914400" rtl="0" eaLnBrk="1" latinLnBrk="0" hangingPunct="1">
+              <a:lnSpc>
+                <a:spcPct val="100000"/>
+              </a:lnSpc>
+              <a:spcBef>
+                <a:spcPts val="1000"/>
+              </a:spcBef>
+              <a:buFont typeface="Arial" panose="020B0604020202020204" pitchFamily="34" charset="0"/>
+              <a:buNone/>
+              <a:defRPr sz="1300" b="0" i="0" kern="1200">
+                <a:solidFill>
+                  <a:srgbClr val="0E2D69"/>
+                </a:solidFill>
+                <a:latin typeface="HSE Sans" panose="02000000000000000000" pitchFamily="2" charset="0"/>
+                <a:ea typeface="+mn-ea"/>
+                <a:cs typeface="+mn-cs"/>
+              </a:defRPr>
+            </a:lvl2pPr>
+            <a:lvl3pPr marL="914400" indent="0" algn="l" defTabSz="914400" rtl="0" eaLnBrk="1" latinLnBrk="0" hangingPunct="1">
+              <a:lnSpc>
+                <a:spcPct val="100000"/>
+              </a:lnSpc>
+              <a:spcBef>
+                <a:spcPts val="1000"/>
+              </a:spcBef>
+              <a:buFont typeface="Arial" panose="020B0604020202020204" pitchFamily="34" charset="0"/>
+              <a:buNone/>
+              <a:defRPr sz="1300" b="0" i="0" kern="1200">
+                <a:solidFill>
+                  <a:srgbClr val="0E2D69"/>
+                </a:solidFill>
+                <a:latin typeface="HSE Sans" panose="02000000000000000000" pitchFamily="2" charset="0"/>
+                <a:ea typeface="+mn-ea"/>
+                <a:cs typeface="+mn-cs"/>
+              </a:defRPr>
+            </a:lvl3pPr>
+            <a:lvl4pPr marL="1371600" indent="0" algn="l" defTabSz="914400" rtl="0" eaLnBrk="1" latinLnBrk="0" hangingPunct="1">
+              <a:lnSpc>
+                <a:spcPct val="100000"/>
+              </a:lnSpc>
+              <a:spcBef>
+                <a:spcPts val="1000"/>
+              </a:spcBef>
+              <a:buFont typeface="Arial" panose="020B0604020202020204" pitchFamily="34" charset="0"/>
+              <a:buNone/>
+              <a:defRPr sz="1300" b="0" i="0" kern="1200">
+                <a:solidFill>
+                  <a:srgbClr val="0E2D69"/>
+                </a:solidFill>
+                <a:latin typeface="HSE Sans" panose="02000000000000000000" pitchFamily="2" charset="0"/>
+                <a:ea typeface="+mn-ea"/>
+                <a:cs typeface="+mn-cs"/>
+              </a:defRPr>
+            </a:lvl4pPr>
+            <a:lvl5pPr marL="1828800" indent="0" algn="l" defTabSz="914400" rtl="0" eaLnBrk="1" latinLnBrk="0" hangingPunct="1">
+              <a:lnSpc>
+                <a:spcPct val="100000"/>
+              </a:lnSpc>
+              <a:spcBef>
+                <a:spcPts val="1000"/>
+              </a:spcBef>
+              <a:buFont typeface="Arial" panose="020B0604020202020204" pitchFamily="34" charset="0"/>
+              <a:buNone/>
+              <a:defRPr sz="1300" b="0" i="0" kern="1200">
+                <a:solidFill>
+                  <a:srgbClr val="0E2D69"/>
+                </a:solidFill>
+                <a:latin typeface="HSE Sans" panose="02000000000000000000" pitchFamily="2" charset="0"/>
+                <a:ea typeface="+mn-ea"/>
+                <a:cs typeface="+mn-cs"/>
+              </a:defRPr>
+            </a:lvl5pPr>
+            <a:lvl6pPr marL="2514600" indent="-228600" algn="l" defTabSz="914400" rtl="0" eaLnBrk="1" latinLnBrk="0" hangingPunct="1">
+              <a:lnSpc>
+                <a:spcPct val="90000"/>
+              </a:lnSpc>
+              <a:spcBef>
+                <a:spcPts val="500"/>
+              </a:spcBef>
+              <a:buFont typeface="Arial" panose="020B0604020202020204" pitchFamily="34" charset="0"/>
+              <a:buChar char="•"/>
+              <a:defRPr sz="1800" kern="1200">
+                <a:solidFill>
+                  <a:schemeClr val="tx1"/>
+                </a:solidFill>
+                <a:latin typeface="+mn-lt"/>
+                <a:ea typeface="+mn-ea"/>
+                <a:cs typeface="+mn-cs"/>
+              </a:defRPr>
+            </a:lvl6pPr>
+            <a:lvl7pPr marL="2971800" indent="-228600" algn="l" defTabSz="914400" rtl="0" eaLnBrk="1" latinLnBrk="0" hangingPunct="1">
+              <a:lnSpc>
+                <a:spcPct val="90000"/>
+              </a:lnSpc>
+              <a:spcBef>
+                <a:spcPts val="500"/>
+              </a:spcBef>
+              <a:buFont typeface="Arial" panose="020B0604020202020204" pitchFamily="34" charset="0"/>
+              <a:buChar char="•"/>
+              <a:defRPr sz="1800" kern="1200">
+                <a:solidFill>
+                  <a:schemeClr val="tx1"/>
+                </a:solidFill>
+                <a:latin typeface="+mn-lt"/>
+                <a:ea typeface="+mn-ea"/>
+                <a:cs typeface="+mn-cs"/>
+              </a:defRPr>
+            </a:lvl7pPr>
+            <a:lvl8pPr marL="3429000" indent="-228600" algn="l" defTabSz="914400" rtl="0" eaLnBrk="1" latinLnBrk="0" hangingPunct="1">
+              <a:lnSpc>
+                <a:spcPct val="90000"/>
+              </a:lnSpc>
+              <a:spcBef>
+                <a:spcPts val="500"/>
+              </a:spcBef>
+              <a:buFont typeface="Arial" panose="020B0604020202020204" pitchFamily="34" charset="0"/>
+              <a:buChar char="•"/>
+              <a:defRPr sz="1800" kern="1200">
+                <a:solidFill>
+                  <a:schemeClr val="tx1"/>
+                </a:solidFill>
+                <a:latin typeface="+mn-lt"/>
+                <a:ea typeface="+mn-ea"/>
+                <a:cs typeface="+mn-cs"/>
+              </a:defRPr>
+            </a:lvl8pPr>
+            <a:lvl9pPr marL="3886200" indent="-228600" algn="l" defTabSz="914400" rtl="0" eaLnBrk="1" latinLnBrk="0" hangingPunct="1">
+              <a:lnSpc>
+                <a:spcPct val="90000"/>
+              </a:lnSpc>
+              <a:spcBef>
+                <a:spcPts val="500"/>
+              </a:spcBef>
+              <a:buFont typeface="Arial" panose="020B0604020202020204" pitchFamily="34" charset="0"/>
+              <a:buChar char="•"/>
+              <a:defRPr sz="1800" kern="1200">
+                <a:solidFill>
+                  <a:schemeClr val="tx1"/>
+                </a:solidFill>
+                <a:latin typeface="+mn-lt"/>
+                <a:ea typeface="+mn-ea"/>
+                <a:cs typeface="+mn-cs"/>
+              </a:defRPr>
+            </a:lvl9pPr>
+          </a:lstStyle>
+          <a:p>
+            <a:pPr>
+              <a:spcAft>
+                <a:spcPts val="1200"/>
+              </a:spcAft>
+            </a:pPr>
+            <a:r>
+              <a:rPr lang="ru-RU" sz="2000" dirty="0"/>
+              <a:t>Примеры работы нейросетей</a:t>
+            </a:r>
+          </a:p>
+        </p:txBody>
+      </p:sp>
+      <p:pic>
+        <p:nvPicPr>
+          <p:cNvPr id="1030" name="Picture 6">
+            <a:extLst>
+              <a:ext uri="{FF2B5EF4-FFF2-40B4-BE49-F238E27FC236}">
+                <a16:creationId xmlns:a16="http://schemas.microsoft.com/office/drawing/2014/main" id="{271FCE11-AF94-488A-B365-320DAE3B9A06}"/>
+              </a:ext>
+            </a:extLst>
+          </p:cNvPr>
+          <p:cNvPicPr>
+            <a:picLocks noChangeAspect="1" noChangeArrowheads="1"/>
+          </p:cNvPicPr>
+          <p:nvPr/>
+        </p:nvPicPr>
+        <p:blipFill>
+          <a:blip r:embed="rId3">
+            <a:extLst>
+              <a:ext uri="{28A0092B-C50C-407E-A947-70E740481C1C}">
+                <a14:useLocalDpi xmlns:a14="http://schemas.microsoft.com/office/drawing/2010/main" val="0"/>
+              </a:ext>
+            </a:extLst>
+          </a:blip>
+          <a:srcRect/>
+          <a:stretch>
+            <a:fillRect/>
+          </a:stretch>
+        </p:blipFill>
+        <p:spPr bwMode="auto">
+          <a:xfrm>
+            <a:off x="8985411" y="4220797"/>
+            <a:ext cx="3116277" cy="2490254"/>
+          </a:xfrm>
+          <a:prstGeom prst="rect">
+            <a:avLst/>
+          </a:prstGeom>
+          <a:noFill/>
+          <a:extLst>
+            <a:ext uri="{909E8E84-426E-40DD-AFC4-6F175D3DCCD1}">
+              <a14:hiddenFill xmlns:a14="http://schemas.microsoft.com/office/drawing/2010/main">
+                <a:solidFill>
+                  <a:srgbClr val="FFFFFF"/>
+                </a:solidFill>
+              </a14:hiddenFill>
+            </a:ext>
+          </a:extLst>
+        </p:spPr>
+      </p:pic>
+      <p:sp>
+        <p:nvSpPr>
+          <p:cNvPr id="11" name="Стрелка: вправо 10">
+            <a:extLst>
+              <a:ext uri="{FF2B5EF4-FFF2-40B4-BE49-F238E27FC236}">
+                <a16:creationId xmlns:a16="http://schemas.microsoft.com/office/drawing/2014/main" id="{0FD69806-B20F-422C-BEC0-394824F202AC}"/>
+              </a:ext>
+            </a:extLst>
+          </p:cNvPr>
+          <p:cNvSpPr/>
+          <p:nvPr/>
+        </p:nvSpPr>
+        <p:spPr>
+          <a:xfrm>
+            <a:off x="10295467" y="3160889"/>
+            <a:ext cx="406400" cy="268111"/>
+          </a:xfrm>
+          <a:prstGeom prst="rightArrow">
+            <a:avLst/>
+          </a:prstGeom>
+        </p:spPr>
+        <p:style>
+          <a:lnRef idx="2">
+            <a:schemeClr val="accent1">
+              <a:shade val="50000"/>
+            </a:schemeClr>
+          </a:lnRef>
+          <a:fillRef idx="1">
+            <a:schemeClr val="accent1"/>
+          </a:fillRef>
+          <a:effectRef idx="0">
+            <a:schemeClr val="accent1"/>
+          </a:effectRef>
+          <a:fontRef idx="minor">
+            <a:schemeClr val="lt1"/>
+          </a:fontRef>
+        </p:style>
+        <p:txBody>
+          <a:bodyPr rtlCol="0" anchor="ctr"/>
+          <a:lstStyle/>
+          <a:p>
+            <a:pPr algn="ctr"/>
+            <a:endParaRPr lang="ru-RU"/>
+          </a:p>
+        </p:txBody>
+      </p:sp>
+    </p:spTree>
+    <p:extLst>
+      <p:ext uri="{BB962C8B-B14F-4D97-AF65-F5344CB8AC3E}">
+        <p14:creationId xmlns:p14="http://schemas.microsoft.com/office/powerpoint/2010/main" val="843577549"/>
+      </p:ext>
+    </p:extLst>
+  </p:cSld>
+  <p:clrMapOvr>
+    <a:masterClrMapping/>
+  </p:clrMapOvr>
+</p:sld>
+</file>
+
+<file path=ppt/slides/slide20.xml><?xml version="1.0" encoding="utf-8"?>
 <p:sld xmlns:a="http://schemas.openxmlformats.org/drawingml/2006/main" xmlns:r="http://schemas.openxmlformats.org/officeDocument/2006/relationships" xmlns:p="http://schemas.openxmlformats.org/presentationml/2006/main">
   <p:cSld>
     <p:spTree>
@@ -17096,7 +17882,7 @@
             </p:grpSpPr>
             <p:pic>
               <p:nvPicPr>
-                <p:cNvPr id="9" name="Рисунок 9">
+                <p:cNvPr id="2" name="Рисунок 2">
                   <a:hlinkClick r:id="rId14" action="ppaction://hlinksldjump"/>
                 </p:cNvPr>
                 <p:cNvPicPr>
@@ -17127,7 +17913,7 @@
             </p:pic>
             <p:pic>
               <p:nvPicPr>
-                <p:cNvPr id="12" name="Рисунок 12">
+                <p:cNvPr id="3" name="Рисунок 3">
                   <a:hlinkClick r:id="rId15" action="ppaction://hlinksldjump"/>
                 </p:cNvPr>
                 <p:cNvPicPr>
@@ -17158,7 +17944,7 @@
             </p:pic>
             <p:pic>
               <p:nvPicPr>
-                <p:cNvPr id="13" name="Рисунок 13">
+                <p:cNvPr id="4" name="Рисунок 4">
                   <a:hlinkClick r:id="rId16" action="ppaction://hlinksldjump"/>
                 </p:cNvPr>
                 <p:cNvPicPr>
@@ -17189,7 +17975,7 @@
             </p:pic>
             <p:pic>
               <p:nvPicPr>
-                <p:cNvPr id="15" name="Рисунок 15">
+                <p:cNvPr id="5" name="Рисунок 5">
                   <a:hlinkClick r:id="rId17" action="ppaction://hlinksldjump"/>
                 </p:cNvPr>
                 <p:cNvPicPr>
@@ -17220,7 +18006,7 @@
             </p:pic>
             <p:pic>
               <p:nvPicPr>
-                <p:cNvPr id="16" name="Рисунок 16">
+                <p:cNvPr id="6" name="Рисунок 6">
                   <a:hlinkClick r:id="rId18" action="ppaction://hlinksldjump"/>
                 </p:cNvPr>
                 <p:cNvPicPr>
@@ -17251,7 +18037,7 @@
             </p:pic>
             <p:pic>
               <p:nvPicPr>
-                <p:cNvPr id="17" name="Рисунок 17">
+                <p:cNvPr id="7" name="Рисунок 7">
                   <a:hlinkClick r:id="rId19" action="ppaction://hlinksldjump"/>
                 </p:cNvPr>
                 <p:cNvPicPr>
@@ -17282,7 +18068,7 @@
             </p:pic>
             <p:pic>
               <p:nvPicPr>
-                <p:cNvPr id="18" name="Рисунок 18">
+                <p:cNvPr id="9" name="Рисунок 9">
                   <a:hlinkClick r:id="rId20" action="ppaction://hlinksldjump"/>
                 </p:cNvPr>
                 <p:cNvPicPr>
@@ -17313,7 +18099,7 @@
             </p:pic>
             <p:pic>
               <p:nvPicPr>
-                <p:cNvPr id="19" name="Рисунок 19">
+                <p:cNvPr id="12" name="Рисунок 12">
                   <a:hlinkClick r:id="rId21" action="ppaction://hlinksldjump"/>
                 </p:cNvPr>
                 <p:cNvPicPr>
@@ -17344,7 +18130,7 @@
             </p:pic>
             <p:pic>
               <p:nvPicPr>
-                <p:cNvPr id="20" name="Рисунок 20">
+                <p:cNvPr id="13" name="Рисунок 13">
                   <a:hlinkClick r:id="rId22" action="ppaction://hlinksldjump"/>
                 </p:cNvPr>
                 <p:cNvPicPr>
@@ -17375,7 +18161,7 @@
             </p:pic>
             <p:pic>
               <p:nvPicPr>
-                <p:cNvPr id="21" name="Рисунок 21">
+                <p:cNvPr id="15" name="Рисунок 15">
                   <a:hlinkClick r:id="rId23" action="ppaction://hlinksldjump"/>
                 </p:cNvPr>
                 <p:cNvPicPr>
@@ -17406,7 +18192,7 @@
             </p:pic>
             <p:pic>
               <p:nvPicPr>
-                <p:cNvPr id="22" name="Рисунок 22">
+                <p:cNvPr id="16" name="Рисунок 16">
                   <a:hlinkClick r:id="rId24" action="ppaction://hlinksldjump"/>
                 </p:cNvPr>
                 <p:cNvPicPr>
@@ -17437,7 +18223,7 @@
             </p:pic>
             <p:pic>
               <p:nvPicPr>
-                <p:cNvPr id="23" name="Рисунок 23">
+                <p:cNvPr id="17" name="Рисунок 17">
                   <a:hlinkClick r:id="rId25" action="ppaction://hlinksldjump"/>
                 </p:cNvPr>
                 <p:cNvPicPr>
@@ -17521,583 +18307,6 @@
     <p:extLst>
       <p:ext uri="{BB962C8B-B14F-4D97-AF65-F5344CB8AC3E}">
         <p14:creationId xmlns:p14="http://schemas.microsoft.com/office/powerpoint/2010/main" val="1682104698"/>
-      </p:ext>
-    </p:extLst>
-  </p:cSld>
-  <p:clrMapOvr>
-    <a:masterClrMapping/>
-  </p:clrMapOvr>
-</p:sld>
-</file>
-
-<file path=ppt/slides/slide2.xml><?xml version="1.0" encoding="utf-8"?>
-<p:sld xmlns:a="http://schemas.openxmlformats.org/drawingml/2006/main" xmlns:r="http://schemas.openxmlformats.org/officeDocument/2006/relationships" xmlns:p="http://schemas.openxmlformats.org/presentationml/2006/main">
-  <p:cSld>
-    <p:spTree>
-      <p:nvGrpSpPr>
-        <p:cNvPr id="1" name=""/>
-        <p:cNvGrpSpPr/>
-        <p:nvPr/>
-      </p:nvGrpSpPr>
-      <p:grpSpPr>
-        <a:xfrm>
-          <a:off x="0" y="0"/>
-          <a:ext cx="0" cy="0"/>
-          <a:chOff x="0" y="0"/>
-          <a:chExt cx="0" cy="0"/>
-        </a:xfrm>
-      </p:grpSpPr>
-      <p:sp>
-        <p:nvSpPr>
-          <p:cNvPr id="3" name="Заголовок 2">
-            <a:extLst>
-              <a:ext uri="{FF2B5EF4-FFF2-40B4-BE49-F238E27FC236}">
-                <a16:creationId xmlns:a16="http://schemas.microsoft.com/office/drawing/2014/main" id="{E2EAF03B-EC26-1D47-94AC-C75942861D6C}"/>
-              </a:ext>
-            </a:extLst>
-          </p:cNvPr>
-          <p:cNvSpPr>
-            <a:spLocks noGrp="1"/>
-          </p:cNvSpPr>
-          <p:nvPr>
-            <p:ph type="title"/>
-          </p:nvPr>
-        </p:nvSpPr>
-        <p:spPr/>
-        <p:txBody>
-          <a:bodyPr>
-            <a:normAutofit fontScale="90000"/>
-          </a:bodyPr>
-          <a:lstStyle/>
-          <a:p>
-            <a:r>
-              <a:rPr lang="ru-RU" sz="4000" dirty="0"/>
-              <a:t>Актуальность</a:t>
-            </a:r>
-            <a:br>
-              <a:rPr lang="ru-RU" dirty="0"/>
-            </a:br>
-            <a:endParaRPr lang="ru-RU" dirty="0"/>
-          </a:p>
-        </p:txBody>
-      </p:sp>
-      <p:sp>
-        <p:nvSpPr>
-          <p:cNvPr id="4" name="Текст 3">
-            <a:extLst>
-              <a:ext uri="{FF2B5EF4-FFF2-40B4-BE49-F238E27FC236}">
-                <a16:creationId xmlns:a16="http://schemas.microsoft.com/office/drawing/2014/main" id="{53356540-7218-FF4B-B6BC-5BD291A372E2}"/>
-              </a:ext>
-            </a:extLst>
-          </p:cNvPr>
-          <p:cNvSpPr>
-            <a:spLocks noGrp="1"/>
-          </p:cNvSpPr>
-          <p:nvPr>
-            <p:ph type="body" sz="quarter" idx="12"/>
-          </p:nvPr>
-        </p:nvSpPr>
-        <p:spPr>
-          <a:xfrm>
-            <a:off x="585898" y="2587502"/>
-            <a:ext cx="5673995" cy="3393234"/>
-          </a:xfrm>
-        </p:spPr>
-        <p:txBody>
-          <a:bodyPr>
-            <a:normAutofit/>
-          </a:bodyPr>
-          <a:lstStyle/>
-          <a:p>
-            <a:pPr marL="342900" indent="-342900">
-              <a:spcAft>
-                <a:spcPts val="1200"/>
-              </a:spcAft>
-              <a:buFont typeface="+mj-lt"/>
-              <a:buAutoNum type="arabicPeriod"/>
-            </a:pPr>
-            <a:r>
-              <a:rPr lang="ru-RU" sz="2800" dirty="0"/>
-              <a:t>Экспоненциальные темпы развития нейросетей</a:t>
-            </a:r>
-          </a:p>
-          <a:p>
-            <a:pPr marL="342900" indent="-342900">
-              <a:spcAft>
-                <a:spcPts val="1200"/>
-              </a:spcAft>
-              <a:buFont typeface="+mj-lt"/>
-              <a:buAutoNum type="arabicPeriod"/>
-            </a:pPr>
-            <a:r>
-              <a:rPr lang="ru-RU" sz="2800" dirty="0"/>
-              <a:t>Аналоги не выявлены</a:t>
-            </a:r>
-          </a:p>
-          <a:p>
-            <a:pPr marL="342900" indent="-342900">
-              <a:spcAft>
-                <a:spcPts val="1200"/>
-              </a:spcAft>
-              <a:buFont typeface="+mj-lt"/>
-              <a:buAutoNum type="arabicPeriod"/>
-            </a:pPr>
-            <a:r>
-              <a:rPr lang="ru-RU" sz="2800" dirty="0"/>
-              <a:t>Прибыльная сфера</a:t>
-            </a:r>
-          </a:p>
-          <a:p>
-            <a:pPr marL="342900" indent="-342900">
-              <a:spcAft>
-                <a:spcPts val="1200"/>
-              </a:spcAft>
-              <a:buFont typeface="+mj-lt"/>
-              <a:buAutoNum type="arabicPeriod"/>
-            </a:pPr>
-            <a:endParaRPr lang="ru-RU" sz="2800" dirty="0"/>
-          </a:p>
-          <a:p>
-            <a:endParaRPr lang="ru-RU" dirty="0"/>
-          </a:p>
-        </p:txBody>
-      </p:sp>
-      <p:sp>
-        <p:nvSpPr>
-          <p:cNvPr id="5" name="Текст 4">
-            <a:extLst>
-              <a:ext uri="{FF2B5EF4-FFF2-40B4-BE49-F238E27FC236}">
-                <a16:creationId xmlns:a16="http://schemas.microsoft.com/office/drawing/2014/main" id="{3EB29DC1-D5D4-FB41-9E2D-AA4750D0CC8B}"/>
-              </a:ext>
-            </a:extLst>
-          </p:cNvPr>
-          <p:cNvSpPr>
-            <a:spLocks noGrp="1"/>
-          </p:cNvSpPr>
-          <p:nvPr>
-            <p:ph type="body" sz="quarter" idx="13"/>
-          </p:nvPr>
-        </p:nvSpPr>
-        <p:spPr>
-          <a:xfrm>
-            <a:off x="1143689" y="540904"/>
-            <a:ext cx="1901825" cy="544199"/>
-          </a:xfrm>
-        </p:spPr>
-        <p:txBody>
-          <a:bodyPr/>
-          <a:lstStyle/>
-          <a:p>
-            <a:r>
-              <a:rPr lang="ru-RU" sz="1200" dirty="0"/>
-              <a:t>Факультет социально-экономических и компьютерных наук</a:t>
-            </a:r>
-          </a:p>
-          <a:p>
-            <a:endParaRPr lang="ru-RU" dirty="0"/>
-          </a:p>
-        </p:txBody>
-      </p:sp>
-      <p:sp>
-        <p:nvSpPr>
-          <p:cNvPr id="6" name="Текст 5">
-            <a:extLst>
-              <a:ext uri="{FF2B5EF4-FFF2-40B4-BE49-F238E27FC236}">
-                <a16:creationId xmlns:a16="http://schemas.microsoft.com/office/drawing/2014/main" id="{B5B6DD1A-BEFA-D842-9B7A-78D7BD1A5259}"/>
-              </a:ext>
-            </a:extLst>
-          </p:cNvPr>
-          <p:cNvSpPr>
-            <a:spLocks noGrp="1"/>
-          </p:cNvSpPr>
-          <p:nvPr>
-            <p:ph type="body" sz="quarter" idx="14"/>
-          </p:nvPr>
-        </p:nvSpPr>
-        <p:spPr/>
-        <p:txBody>
-          <a:bodyPr/>
-          <a:lstStyle/>
-          <a:p>
-            <a:r>
-              <a:rPr lang="ru-RU" sz="1200" dirty="0"/>
-              <a:t>Разработка сервиса для классификации степени артроза по рентген снимкам</a:t>
-            </a:r>
-          </a:p>
-          <a:p>
-            <a:endParaRPr lang="ru-RU" dirty="0"/>
-          </a:p>
-        </p:txBody>
-      </p:sp>
-      <p:sp>
-        <p:nvSpPr>
-          <p:cNvPr id="7" name="Текст 6">
-            <a:extLst>
-              <a:ext uri="{FF2B5EF4-FFF2-40B4-BE49-F238E27FC236}">
-                <a16:creationId xmlns:a16="http://schemas.microsoft.com/office/drawing/2014/main" id="{88968744-3B75-9B47-92FD-77E1E725F232}"/>
-              </a:ext>
-            </a:extLst>
-          </p:cNvPr>
-          <p:cNvSpPr>
-            <a:spLocks noGrp="1"/>
-          </p:cNvSpPr>
-          <p:nvPr>
-            <p:ph type="body" sz="quarter" idx="15"/>
-          </p:nvPr>
-        </p:nvSpPr>
-        <p:spPr/>
-        <p:txBody>
-          <a:bodyPr/>
-          <a:lstStyle/>
-          <a:p>
-            <a:r>
-              <a:rPr lang="ru-RU" sz="1200" dirty="0" err="1"/>
-              <a:t>Берсенёв</a:t>
-            </a:r>
-            <a:r>
-              <a:rPr lang="ru-RU" sz="1200" dirty="0"/>
-              <a:t> И.И</a:t>
-            </a:r>
-          </a:p>
-        </p:txBody>
-      </p:sp>
-      <p:pic>
-        <p:nvPicPr>
-          <p:cNvPr id="10" name="Рисунок 9">
-            <a:extLst>
-              <a:ext uri="{FF2B5EF4-FFF2-40B4-BE49-F238E27FC236}">
-                <a16:creationId xmlns:a16="http://schemas.microsoft.com/office/drawing/2014/main" id="{5CA8758A-A84A-4FF8-AF30-764C4230CAED}"/>
-              </a:ext>
-            </a:extLst>
-          </p:cNvPr>
-          <p:cNvPicPr>
-            <a:picLocks noChangeAspect="1"/>
-          </p:cNvPicPr>
-          <p:nvPr/>
-        </p:nvPicPr>
-        <p:blipFill>
-          <a:blip r:embed="rId2"/>
-          <a:stretch>
-            <a:fillRect/>
-          </a:stretch>
-        </p:blipFill>
-        <p:spPr>
-          <a:xfrm>
-            <a:off x="8985411" y="2189694"/>
-            <a:ext cx="2995804" cy="2049980"/>
-          </a:xfrm>
-          <a:prstGeom prst="rect">
-            <a:avLst/>
-          </a:prstGeom>
-        </p:spPr>
-      </p:pic>
-      <p:sp>
-        <p:nvSpPr>
-          <p:cNvPr id="12" name="Текст 3">
-            <a:extLst>
-              <a:ext uri="{FF2B5EF4-FFF2-40B4-BE49-F238E27FC236}">
-                <a16:creationId xmlns:a16="http://schemas.microsoft.com/office/drawing/2014/main" id="{A380A6D6-C984-4AA2-A851-1739FFC48F2A}"/>
-              </a:ext>
-            </a:extLst>
-          </p:cNvPr>
-          <p:cNvSpPr txBox="1">
-            <a:spLocks/>
-          </p:cNvSpPr>
-          <p:nvPr/>
-        </p:nvSpPr>
-        <p:spPr>
-          <a:xfrm>
-            <a:off x="8658577" y="1828799"/>
-            <a:ext cx="3770489" cy="2240845"/>
-          </a:xfrm>
-          <a:prstGeom prst="rect">
-            <a:avLst/>
-          </a:prstGeom>
-        </p:spPr>
-        <p:txBody>
-          <a:bodyPr vert="horz" lIns="0" tIns="0" rIns="0" bIns="45720" rtlCol="0">
-            <a:normAutofit/>
-          </a:bodyPr>
-          <a:lstStyle>
-            <a:lvl1pPr marL="0" marR="0" indent="0" algn="l" defTabSz="914400" rtl="0" eaLnBrk="1" fontAlgn="auto" latinLnBrk="0" hangingPunct="1">
-              <a:lnSpc>
-                <a:spcPct val="100000"/>
-              </a:lnSpc>
-              <a:spcBef>
-                <a:spcPts val="1000"/>
-              </a:spcBef>
-              <a:spcAft>
-                <a:spcPts val="0"/>
-              </a:spcAft>
-              <a:buClrTx/>
-              <a:buSzTx/>
-              <a:buFont typeface="Arial" panose="020B0604020202020204" pitchFamily="34" charset="0"/>
-              <a:buNone/>
-              <a:tabLst/>
-              <a:defRPr sz="1300" b="0" i="0" kern="1200">
-                <a:solidFill>
-                  <a:srgbClr val="0E2D69"/>
-                </a:solidFill>
-                <a:latin typeface="HSE Sans" panose="02000000000000000000" pitchFamily="2" charset="0"/>
-                <a:ea typeface="+mn-ea"/>
-                <a:cs typeface="+mn-cs"/>
-              </a:defRPr>
-            </a:lvl1pPr>
-            <a:lvl2pPr marL="457200" indent="0" algn="l" defTabSz="914400" rtl="0" eaLnBrk="1" latinLnBrk="0" hangingPunct="1">
-              <a:lnSpc>
-                <a:spcPct val="100000"/>
-              </a:lnSpc>
-              <a:spcBef>
-                <a:spcPts val="1000"/>
-              </a:spcBef>
-              <a:buFont typeface="Arial" panose="020B0604020202020204" pitchFamily="34" charset="0"/>
-              <a:buNone/>
-              <a:defRPr sz="1300" b="0" i="0" kern="1200">
-                <a:solidFill>
-                  <a:srgbClr val="0E2D69"/>
-                </a:solidFill>
-                <a:latin typeface="HSE Sans" panose="02000000000000000000" pitchFamily="2" charset="0"/>
-                <a:ea typeface="+mn-ea"/>
-                <a:cs typeface="+mn-cs"/>
-              </a:defRPr>
-            </a:lvl2pPr>
-            <a:lvl3pPr marL="914400" indent="0" algn="l" defTabSz="914400" rtl="0" eaLnBrk="1" latinLnBrk="0" hangingPunct="1">
-              <a:lnSpc>
-                <a:spcPct val="100000"/>
-              </a:lnSpc>
-              <a:spcBef>
-                <a:spcPts val="1000"/>
-              </a:spcBef>
-              <a:buFont typeface="Arial" panose="020B0604020202020204" pitchFamily="34" charset="0"/>
-              <a:buNone/>
-              <a:defRPr sz="1300" b="0" i="0" kern="1200">
-                <a:solidFill>
-                  <a:srgbClr val="0E2D69"/>
-                </a:solidFill>
-                <a:latin typeface="HSE Sans" panose="02000000000000000000" pitchFamily="2" charset="0"/>
-                <a:ea typeface="+mn-ea"/>
-                <a:cs typeface="+mn-cs"/>
-              </a:defRPr>
-            </a:lvl3pPr>
-            <a:lvl4pPr marL="1371600" indent="0" algn="l" defTabSz="914400" rtl="0" eaLnBrk="1" latinLnBrk="0" hangingPunct="1">
-              <a:lnSpc>
-                <a:spcPct val="100000"/>
-              </a:lnSpc>
-              <a:spcBef>
-                <a:spcPts val="1000"/>
-              </a:spcBef>
-              <a:buFont typeface="Arial" panose="020B0604020202020204" pitchFamily="34" charset="0"/>
-              <a:buNone/>
-              <a:defRPr sz="1300" b="0" i="0" kern="1200">
-                <a:solidFill>
-                  <a:srgbClr val="0E2D69"/>
-                </a:solidFill>
-                <a:latin typeface="HSE Sans" panose="02000000000000000000" pitchFamily="2" charset="0"/>
-                <a:ea typeface="+mn-ea"/>
-                <a:cs typeface="+mn-cs"/>
-              </a:defRPr>
-            </a:lvl4pPr>
-            <a:lvl5pPr marL="1828800" indent="0" algn="l" defTabSz="914400" rtl="0" eaLnBrk="1" latinLnBrk="0" hangingPunct="1">
-              <a:lnSpc>
-                <a:spcPct val="100000"/>
-              </a:lnSpc>
-              <a:spcBef>
-                <a:spcPts val="1000"/>
-              </a:spcBef>
-              <a:buFont typeface="Arial" panose="020B0604020202020204" pitchFamily="34" charset="0"/>
-              <a:buNone/>
-              <a:defRPr sz="1300" b="0" i="0" kern="1200">
-                <a:solidFill>
-                  <a:srgbClr val="0E2D69"/>
-                </a:solidFill>
-                <a:latin typeface="HSE Sans" panose="02000000000000000000" pitchFamily="2" charset="0"/>
-                <a:ea typeface="+mn-ea"/>
-                <a:cs typeface="+mn-cs"/>
-              </a:defRPr>
-            </a:lvl5pPr>
-            <a:lvl6pPr marL="2514600" indent="-228600" algn="l" defTabSz="914400" rtl="0" eaLnBrk="1" latinLnBrk="0" hangingPunct="1">
-              <a:lnSpc>
-                <a:spcPct val="90000"/>
-              </a:lnSpc>
-              <a:spcBef>
-                <a:spcPts val="500"/>
-              </a:spcBef>
-              <a:buFont typeface="Arial" panose="020B0604020202020204" pitchFamily="34" charset="0"/>
-              <a:buChar char="•"/>
-              <a:defRPr sz="1800" kern="1200">
-                <a:solidFill>
-                  <a:schemeClr val="tx1"/>
-                </a:solidFill>
-                <a:latin typeface="+mn-lt"/>
-                <a:ea typeface="+mn-ea"/>
-                <a:cs typeface="+mn-cs"/>
-              </a:defRPr>
-            </a:lvl6pPr>
-            <a:lvl7pPr marL="2971800" indent="-228600" algn="l" defTabSz="914400" rtl="0" eaLnBrk="1" latinLnBrk="0" hangingPunct="1">
-              <a:lnSpc>
-                <a:spcPct val="90000"/>
-              </a:lnSpc>
-              <a:spcBef>
-                <a:spcPts val="500"/>
-              </a:spcBef>
-              <a:buFont typeface="Arial" panose="020B0604020202020204" pitchFamily="34" charset="0"/>
-              <a:buChar char="•"/>
-              <a:defRPr sz="1800" kern="1200">
-                <a:solidFill>
-                  <a:schemeClr val="tx1"/>
-                </a:solidFill>
-                <a:latin typeface="+mn-lt"/>
-                <a:ea typeface="+mn-ea"/>
-                <a:cs typeface="+mn-cs"/>
-              </a:defRPr>
-            </a:lvl7pPr>
-            <a:lvl8pPr marL="3429000" indent="-228600" algn="l" defTabSz="914400" rtl="0" eaLnBrk="1" latinLnBrk="0" hangingPunct="1">
-              <a:lnSpc>
-                <a:spcPct val="90000"/>
-              </a:lnSpc>
-              <a:spcBef>
-                <a:spcPts val="500"/>
-              </a:spcBef>
-              <a:buFont typeface="Arial" panose="020B0604020202020204" pitchFamily="34" charset="0"/>
-              <a:buChar char="•"/>
-              <a:defRPr sz="1800" kern="1200">
-                <a:solidFill>
-                  <a:schemeClr val="tx1"/>
-                </a:solidFill>
-                <a:latin typeface="+mn-lt"/>
-                <a:ea typeface="+mn-ea"/>
-                <a:cs typeface="+mn-cs"/>
-              </a:defRPr>
-            </a:lvl8pPr>
-            <a:lvl9pPr marL="3886200" indent="-228600" algn="l" defTabSz="914400" rtl="0" eaLnBrk="1" latinLnBrk="0" hangingPunct="1">
-              <a:lnSpc>
-                <a:spcPct val="90000"/>
-              </a:lnSpc>
-              <a:spcBef>
-                <a:spcPts val="500"/>
-              </a:spcBef>
-              <a:buFont typeface="Arial" panose="020B0604020202020204" pitchFamily="34" charset="0"/>
-              <a:buChar char="•"/>
-              <a:defRPr sz="1800" kern="1200">
-                <a:solidFill>
-                  <a:schemeClr val="tx1"/>
-                </a:solidFill>
-                <a:latin typeface="+mn-lt"/>
-                <a:ea typeface="+mn-ea"/>
-                <a:cs typeface="+mn-cs"/>
-              </a:defRPr>
-            </a:lvl9pPr>
-          </a:lstStyle>
-          <a:p>
-            <a:pPr>
-              <a:spcAft>
-                <a:spcPts val="1200"/>
-              </a:spcAft>
-            </a:pPr>
-            <a:r>
-              <a:rPr lang="ru-RU" sz="2000" dirty="0"/>
-              <a:t>Примеры работы нейросетей</a:t>
-            </a:r>
-          </a:p>
-        </p:txBody>
-      </p:sp>
-      <p:pic>
-        <p:nvPicPr>
-          <p:cNvPr id="1030" name="Picture 6">
-            <a:extLst>
-              <a:ext uri="{FF2B5EF4-FFF2-40B4-BE49-F238E27FC236}">
-                <a16:creationId xmlns:a16="http://schemas.microsoft.com/office/drawing/2014/main" id="{271FCE11-AF94-488A-B365-320DAE3B9A06}"/>
-              </a:ext>
-            </a:extLst>
-          </p:cNvPr>
-          <p:cNvPicPr>
-            <a:picLocks noChangeAspect="1" noChangeArrowheads="1"/>
-          </p:cNvPicPr>
-          <p:nvPr/>
-        </p:nvPicPr>
-        <p:blipFill>
-          <a:blip r:embed="rId3">
-            <a:extLst>
-              <a:ext uri="{28A0092B-C50C-407E-A947-70E740481C1C}">
-                <a14:useLocalDpi xmlns:a14="http://schemas.microsoft.com/office/drawing/2010/main" val="0"/>
-              </a:ext>
-            </a:extLst>
-          </a:blip>
-          <a:srcRect/>
-          <a:stretch>
-            <a:fillRect/>
-          </a:stretch>
-        </p:blipFill>
-        <p:spPr bwMode="auto">
-          <a:xfrm>
-            <a:off x="8985411" y="4220797"/>
-            <a:ext cx="3116277" cy="2490254"/>
-          </a:xfrm>
-          <a:prstGeom prst="rect">
-            <a:avLst/>
-          </a:prstGeom>
-          <a:noFill/>
-          <a:extLst>
-            <a:ext uri="{909E8E84-426E-40DD-AFC4-6F175D3DCCD1}">
-              <a14:hiddenFill xmlns:a14="http://schemas.microsoft.com/office/drawing/2010/main">
-                <a:solidFill>
-                  <a:srgbClr val="FFFFFF"/>
-                </a:solidFill>
-              </a14:hiddenFill>
-            </a:ext>
-          </a:extLst>
-        </p:spPr>
-      </p:pic>
-      <p:sp>
-        <p:nvSpPr>
-          <p:cNvPr id="11" name="Стрелка: вправо 10">
-            <a:extLst>
-              <a:ext uri="{FF2B5EF4-FFF2-40B4-BE49-F238E27FC236}">
-                <a16:creationId xmlns:a16="http://schemas.microsoft.com/office/drawing/2014/main" id="{0FD69806-B20F-422C-BEC0-394824F202AC}"/>
-              </a:ext>
-            </a:extLst>
-          </p:cNvPr>
-          <p:cNvSpPr/>
-          <p:nvPr/>
-        </p:nvSpPr>
-        <p:spPr>
-          <a:xfrm>
-            <a:off x="10295467" y="3160889"/>
-            <a:ext cx="406400" cy="268111"/>
-          </a:xfrm>
-          <a:prstGeom prst="rightArrow">
-            <a:avLst/>
-          </a:prstGeom>
-        </p:spPr>
-        <p:style>
-          <a:lnRef idx="2">
-            <a:schemeClr val="accent1">
-              <a:shade val="50000"/>
-            </a:schemeClr>
-          </a:lnRef>
-          <a:fillRef idx="1">
-            <a:schemeClr val="accent1"/>
-          </a:fillRef>
-          <a:effectRef idx="0">
-            <a:schemeClr val="accent1"/>
-          </a:effectRef>
-          <a:fontRef idx="minor">
-            <a:schemeClr val="lt1"/>
-          </a:fontRef>
-        </p:style>
-        <p:txBody>
-          <a:bodyPr rtlCol="0" anchor="ctr"/>
-          <a:lstStyle/>
-          <a:p>
-            <a:pPr algn="ctr"/>
-            <a:endParaRPr lang="ru-RU"/>
-          </a:p>
-        </p:txBody>
-      </p:sp>
-    </p:spTree>
-    <p:extLst>
-      <p:ext uri="{BB962C8B-B14F-4D97-AF65-F5344CB8AC3E}">
-        <p14:creationId xmlns:p14="http://schemas.microsoft.com/office/powerpoint/2010/main" val="843577549"/>
       </p:ext>
     </p:extLst>
   </p:cSld>
@@ -20710,15 +20919,6 @@
 </file>
 
 <file path=customXml/item1.xml><?xml version="1.0" encoding="utf-8"?>
-<?mso-contentType ?>
-<FormTemplates xmlns="http://schemas.microsoft.com/sharepoint/v3/contenttype/forms">
-  <Display>DocumentLibraryForm</Display>
-  <Edit>DocumentLibraryForm</Edit>
-  <New>DocumentLibraryForm</New>
-</FormTemplates>
-</file>
-
-<file path=customXml/item2.xml><?xml version="1.0" encoding="utf-8"?>
 <ct:contentTypeSchema xmlns:ct="http://schemas.microsoft.com/office/2006/metadata/contentType" xmlns:ma="http://schemas.microsoft.com/office/2006/metadata/properties/metaAttributes" ct:_="" ma:_="" ma:contentTypeName="Документ" ma:contentTypeID="0x0101002A9C74E6E830D74E9B0FDDB4017A5417" ma:contentTypeVersion="13" ma:contentTypeDescription="Создание документа." ma:contentTypeScope="" ma:versionID="d4e423622451d608a8a05f4da7a1e1a2">
   <xsd:schema xmlns:xsd="http://www.w3.org/2001/XMLSchema" xmlns:xs="http://www.w3.org/2001/XMLSchema" xmlns:p="http://schemas.microsoft.com/office/2006/metadata/properties" xmlns:ns2="9875bd71-cde8-496c-a136-433f55d5e6d0" xmlns:ns3="e96afe77-3acb-4328-97fc-408e1bde3ecd" targetNamespace="http://schemas.microsoft.com/office/2006/metadata/properties" ma:root="true" ma:fieldsID="4831203c63c08b9f52ea6d3ee0d7a96e" ns2:_="" ns3:_="">
     <xsd:import namespace="9875bd71-cde8-496c-a136-433f55d5e6d0"/>
@@ -20941,6 +21141,15 @@
 </ct:contentTypeSchema>
 </file>
 
+<file path=customXml/item2.xml><?xml version="1.0" encoding="utf-8"?>
+<?mso-contentType ?>
+<FormTemplates xmlns="http://schemas.microsoft.com/sharepoint/v3/contenttype/forms">
+  <Display>DocumentLibraryForm</Display>
+  <Edit>DocumentLibraryForm</Edit>
+  <New>DocumentLibraryForm</New>
+</FormTemplates>
+</file>
+
 <file path=customXml/item3.xml><?xml version="1.0" encoding="utf-8"?>
 <p:properties xmlns:p="http://schemas.microsoft.com/office/2006/metadata/properties" xmlns:xsi="http://www.w3.org/2001/XMLSchema-instance" xmlns:pc="http://schemas.microsoft.com/office/infopath/2007/PartnerControls">
   <documentManagement/>
@@ -20948,14 +21157,6 @@
 </file>
 
 <file path=customXml/itemProps1.xml><?xml version="1.0" encoding="utf-8"?>
-<ds:datastoreItem xmlns:ds="http://schemas.openxmlformats.org/officeDocument/2006/customXml" ds:itemID="{B34386AA-1848-4C75-B336-1053927CB025}">
-  <ds:schemaRefs>
-    <ds:schemaRef ds:uri="http://schemas.microsoft.com/sharepoint/v3/contenttype/forms"/>
-  </ds:schemaRefs>
-</ds:datastoreItem>
-</file>
-
-<file path=customXml/itemProps2.xml><?xml version="1.0" encoding="utf-8"?>
 <ds:datastoreItem xmlns:ds="http://schemas.openxmlformats.org/officeDocument/2006/customXml" ds:itemID="{4D4651DD-DCCC-4759-B2F6-7F520BDCC2B9}">
   <ds:schemaRefs>
     <ds:schemaRef ds:uri="http://schemas.microsoft.com/office/2006/metadata/contentType"/>
@@ -20970,6 +21171,14 @@
     <ds:schemaRef ds:uri="http://purl.org/dc/elements/1.1/"/>
     <ds:schemaRef ds:uri="http://purl.org/dc/terms/"/>
     <ds:schemaRef ds:uri="http://schemas.microsoft.com/internal/obd"/>
+  </ds:schemaRefs>
+</ds:datastoreItem>
+</file>
+
+<file path=customXml/itemProps2.xml><?xml version="1.0" encoding="utf-8"?>
+<ds:datastoreItem xmlns:ds="http://schemas.openxmlformats.org/officeDocument/2006/customXml" ds:itemID="{B34386AA-1848-4C75-B336-1053927CB025}">
+  <ds:schemaRefs>
+    <ds:schemaRef ds:uri="http://schemas.microsoft.com/sharepoint/v3/contenttype/forms"/>
   </ds:schemaRefs>
 </ds:datastoreItem>
 </file>
